--- a/03_Team_Data/C팀/3주차_2.1-2장_C팀_이지원.pptx
+++ b/03_Team_Data/C팀/3주차_2.1-2장_C팀_이지원.pptx
@@ -223,7 +223,7 @@
           <a:p>
             <a:fld id="{7B49EE5E-582E-4425-9203-DF1862FA1891}" type="datetimeFigureOut">
               <a:rPr lang="ko-KR" altLang="en-US" smtClean="0"/>
-              <a:t>2022-01-16</a:t>
+              <a:t>2022-01-17</a:t>
             </a:fld>
             <a:endParaRPr lang="ko-KR" altLang="en-US"/>
           </a:p>
@@ -1509,7 +1509,7 @@
           <a:p>
             <a:fld id="{F8166F1F-CE9B-4651-A6AA-CD717754106B}" type="datetimeFigureOut">
               <a:rPr lang="en-US" smtClean="0"/>
-              <a:t>1/16/2022</a:t>
+              <a:t>1/17/2022</a:t>
             </a:fld>
             <a:endParaRPr lang="en-US"/>
           </a:p>
@@ -1672,7 +1672,7 @@
           <a:p>
             <a:fld id="{A76116CE-C4A3-4A05-B2D7-7C2E9A889C0F}" type="datetimeFigureOut">
               <a:rPr lang="en-US" smtClean="0"/>
-              <a:t>1/16/2022</a:t>
+              <a:t>1/17/2022</a:t>
             </a:fld>
             <a:endParaRPr lang="en-US"/>
           </a:p>
@@ -1845,7 +1845,7 @@
           <a:p>
             <a:fld id="{A76116CE-C4A3-4A05-B2D7-7C2E9A889C0F}" type="datetimeFigureOut">
               <a:rPr lang="en-US" smtClean="0"/>
-              <a:t>1/16/2022</a:t>
+              <a:t>1/17/2022</a:t>
             </a:fld>
             <a:endParaRPr lang="en-US"/>
           </a:p>
@@ -2010,7 +2010,7 @@
           <a:p>
             <a:fld id="{A76116CE-C4A3-4A05-B2D7-7C2E9A889C0F}" type="datetimeFigureOut">
               <a:rPr lang="en-US" smtClean="0"/>
-              <a:t>1/16/2022</a:t>
+              <a:t>1/17/2022</a:t>
             </a:fld>
             <a:endParaRPr lang="en-US"/>
           </a:p>
@@ -2250,7 +2250,7 @@
           <a:p>
             <a:fld id="{A76116CE-C4A3-4A05-B2D7-7C2E9A889C0F}" type="datetimeFigureOut">
               <a:rPr lang="en-US" smtClean="0"/>
-              <a:t>1/16/2022</a:t>
+              <a:t>1/17/2022</a:t>
             </a:fld>
             <a:endParaRPr lang="en-US"/>
           </a:p>
@@ -2530,7 +2530,7 @@
           <a:p>
             <a:fld id="{A76116CE-C4A3-4A05-B2D7-7C2E9A889C0F}" type="datetimeFigureOut">
               <a:rPr lang="en-US" smtClean="0"/>
-              <a:t>1/16/2022</a:t>
+              <a:t>1/17/2022</a:t>
             </a:fld>
             <a:endParaRPr lang="en-US"/>
           </a:p>
@@ -2944,7 +2944,7 @@
           <a:p>
             <a:fld id="{A76116CE-C4A3-4A05-B2D7-7C2E9A889C0F}" type="datetimeFigureOut">
               <a:rPr lang="en-US" smtClean="0"/>
-              <a:t>1/16/2022</a:t>
+              <a:t>1/17/2022</a:t>
             </a:fld>
             <a:endParaRPr lang="en-US"/>
           </a:p>
@@ -3056,7 +3056,7 @@
           <a:p>
             <a:fld id="{A76116CE-C4A3-4A05-B2D7-7C2E9A889C0F}" type="datetimeFigureOut">
               <a:rPr lang="en-US" smtClean="0"/>
-              <a:t>1/16/2022</a:t>
+              <a:t>1/17/2022</a:t>
             </a:fld>
             <a:endParaRPr lang="en-US"/>
           </a:p>
@@ -3146,7 +3146,7 @@
           <a:p>
             <a:fld id="{A76116CE-C4A3-4A05-B2D7-7C2E9A889C0F}" type="datetimeFigureOut">
               <a:rPr lang="en-US" smtClean="0"/>
-              <a:t>1/16/2022</a:t>
+              <a:t>1/17/2022</a:t>
             </a:fld>
             <a:endParaRPr lang="en-US"/>
           </a:p>
@@ -3416,7 +3416,7 @@
           <a:p>
             <a:fld id="{A76116CE-C4A3-4A05-B2D7-7C2E9A889C0F}" type="datetimeFigureOut">
               <a:rPr lang="en-US" smtClean="0"/>
-              <a:t>1/16/2022</a:t>
+              <a:t>1/17/2022</a:t>
             </a:fld>
             <a:endParaRPr lang="en-US"/>
           </a:p>
@@ -3663,7 +3663,7 @@
           <a:p>
             <a:fld id="{A76116CE-C4A3-4A05-B2D7-7C2E9A889C0F}" type="datetimeFigureOut">
               <a:rPr lang="en-US" smtClean="0"/>
-              <a:t>1/16/2022</a:t>
+              <a:t>1/17/2022</a:t>
             </a:fld>
             <a:endParaRPr lang="en-US"/>
           </a:p>
@@ -3869,7 +3869,7 @@
           <a:p>
             <a:fld id="{F8166F1F-CE9B-4651-A6AA-CD717754106B}" type="datetimeFigureOut">
               <a:rPr lang="en-US" smtClean="0"/>
-              <a:t>1/16/2022</a:t>
+              <a:t>1/17/2022</a:t>
             </a:fld>
             <a:endParaRPr lang="en-US"/>
           </a:p>
@@ -10020,7 +10020,7 @@
                 </a:solidFill>
                 <a:latin typeface="Apple SD Gothic Neo"/>
               </a:rPr>
-              <a:t>- </a:t>
+              <a:t>-</a:t>
             </a:r>
             <a:r>
               <a:rPr lang="ko-KR" altLang="en-US" sz="2000" dirty="0">
@@ -10029,7 +10029,7 @@
                 </a:solidFill>
                 <a:latin typeface="Apple SD Gothic Neo"/>
               </a:rPr>
-              <a:t>데이터에서 시간이 중요할 때는 시간 축을 포함한 </a:t>
+              <a:t> 이미지는 전형적으로 높이</a:t>
             </a:r>
             <a:r>
               <a:rPr lang="en-US" altLang="ko-KR" sz="2000" dirty="0">
@@ -10038,16 +10038,25 @@
                 </a:solidFill>
                 <a:latin typeface="Apple SD Gothic Neo"/>
               </a:rPr>
-              <a:t>3D </a:t>
-            </a:r>
-            <a:r>
-              <a:rPr lang="ko-KR" altLang="en-US" sz="2000" dirty="0" err="1">
+              <a:t>, </a:t>
+            </a:r>
+            <a:r>
+              <a:rPr lang="ko-KR" altLang="en-US" sz="2000" dirty="0">
                 <a:solidFill>
                   <a:srgbClr val="202124"/>
                 </a:solidFill>
                 <a:latin typeface="Apple SD Gothic Neo"/>
               </a:rPr>
-              <a:t>텐서로</a:t>
+              <a:t>너비</a:t>
+            </a:r>
+            <a:r>
+              <a:rPr lang="en-US" altLang="ko-KR" sz="2000" dirty="0">
+                <a:solidFill>
+                  <a:srgbClr val="202124"/>
+                </a:solidFill>
+                <a:latin typeface="Apple SD Gothic Neo"/>
+              </a:rPr>
+              <a:t>, </a:t>
             </a:r>
             <a:r>
               <a:rPr lang="ko-KR" altLang="en-US" sz="2000" dirty="0">
@@ -10056,7 +10065,43 @@
                 </a:solidFill>
                 <a:latin typeface="Apple SD Gothic Neo"/>
               </a:rPr>
-              <a:t> 저장됨</a:t>
+              <a:t>컬러 채널의 </a:t>
+            </a:r>
+            <a:r>
+              <a:rPr lang="en-US" altLang="ko-KR" sz="2000" dirty="0">
+                <a:solidFill>
+                  <a:srgbClr val="202124"/>
+                </a:solidFill>
+                <a:latin typeface="Apple SD Gothic Neo"/>
+              </a:rPr>
+              <a:t>3</a:t>
+            </a:r>
+            <a:r>
+              <a:rPr lang="ko-KR" altLang="en-US" sz="2000" dirty="0">
+                <a:solidFill>
+                  <a:srgbClr val="202124"/>
+                </a:solidFill>
+                <a:latin typeface="Apple SD Gothic Neo"/>
+              </a:rPr>
+              <a:t>차원으로 이루어짐 </a:t>
+            </a:r>
+            <a:r>
+              <a:rPr lang="en-US" altLang="ko-KR" sz="2000" dirty="0">
+                <a:solidFill>
+                  <a:srgbClr val="202124"/>
+                </a:solidFill>
+                <a:latin typeface="Apple SD Gothic Neo"/>
+              </a:rPr>
+              <a:t>+ </a:t>
+            </a:r>
+            <a:r>
+              <a:rPr lang="ko-KR" altLang="en-US" sz="2000" dirty="0">
+                <a:solidFill>
+                  <a:srgbClr val="202124"/>
+                </a:solidFill>
+                <a:latin typeface="Apple SD Gothic Neo"/>
+              </a:rPr>
+              <a:t>데이터 개수</a:t>
             </a:r>
             <a:endParaRPr lang="en-US" altLang="ko-KR" sz="2000" dirty="0">
               <a:solidFill>
@@ -10077,47 +10122,35 @@
             </a:r>
             <a:r>
               <a:rPr lang="ko-KR" altLang="en-US" sz="2000" dirty="0"/>
-              <a:t>예시 </a:t>
+              <a:t>채널 마지막 방식 </a:t>
             </a:r>
             <a:r>
               <a:rPr lang="en-US" altLang="ko-KR" sz="2000" dirty="0"/>
-              <a:t>: 1</a:t>
+              <a:t>: (samples, height, width, </a:t>
+            </a:r>
+            <a:r>
+              <a:rPr lang="en-US" altLang="ko-KR" sz="2000" dirty="0" err="1"/>
+              <a:t>color_depth</a:t>
+            </a:r>
+            <a:r>
+              <a:rPr lang="en-US" altLang="ko-KR" sz="2000" dirty="0"/>
+              <a:t>) / </a:t>
             </a:r>
             <a:r>
               <a:rPr lang="ko-KR" altLang="en-US" sz="2000" dirty="0"/>
-              <a:t>분마다 현재 주식 가격</a:t>
+              <a:t>채널 우선 방식 </a:t>
             </a:r>
             <a:r>
               <a:rPr lang="en-US" altLang="ko-KR" sz="2000" dirty="0"/>
-              <a:t>, </a:t>
-            </a:r>
-            <a:r>
-              <a:rPr lang="ko-KR" altLang="en-US" sz="2000" dirty="0"/>
-              <a:t>최고 가격</a:t>
+              <a:t>: (samples, </a:t>
+            </a:r>
+            <a:r>
+              <a:rPr lang="en-US" altLang="ko-KR" sz="2000" dirty="0" err="1"/>
+              <a:t>color_depth</a:t>
             </a:r>
             <a:r>
               <a:rPr lang="en-US" altLang="ko-KR" sz="2000" dirty="0"/>
-              <a:t>, </a:t>
-            </a:r>
-            <a:r>
-              <a:rPr lang="ko-KR" altLang="en-US" sz="2000" dirty="0"/>
-              <a:t>최소 가격을 저장한 데이터 셋 </a:t>
-            </a:r>
-            <a:r>
-              <a:rPr lang="en-US" altLang="ko-KR" sz="2000" dirty="0"/>
-              <a:t>&amp; 128</a:t>
-            </a:r>
-            <a:r>
-              <a:rPr lang="ko-KR" altLang="en-US" sz="2000" dirty="0"/>
-              <a:t>개의 알파벳과 </a:t>
-            </a:r>
-            <a:r>
-              <a:rPr lang="en-US" altLang="ko-KR" sz="2000" dirty="0"/>
-              <a:t>280</a:t>
-            </a:r>
-            <a:r>
-              <a:rPr lang="ko-KR" altLang="en-US" sz="2000" dirty="0"/>
-              <a:t>개의 문자 시퀀스로 이루어진 트위터 데이터셋</a:t>
+              <a:t>, height, width)</a:t>
             </a:r>
             <a:endParaRPr lang="en-US" sz="2000" dirty="0"/>
           </a:p>
